--- a/modelo de sitio.pptx
+++ b/modelo de sitio.pptx
@@ -105,6 +105,11 @@
       </a:defRPr>
     </a:lvl9pPr>
   </p:defaultTextStyle>
+  <p:extLst>
+    <p:ext uri="{EFAFB233-063F-42B5-8137-9DF3F51BA10A}">
+      <p15:sldGuideLst xmlns:p15="http://schemas.microsoft.com/office/powerpoint/2012/main"/>
+    </p:ext>
+  </p:extLst>
 </p:presentation>
 </file>
 
@@ -257,7 +262,7 @@
           <a:p>
             <a:fld id="{6D894473-5053-464A-A10A-2BCD4B48F14B}" type="datetimeFigureOut">
               <a:rPr lang="es-AR" smtClean="0"/>
-              <a:t>12/7/2022</a:t>
+              <a:t>14/7/2022</a:t>
             </a:fld>
             <a:endParaRPr lang="es-AR"/>
           </a:p>
@@ -457,7 +462,7 @@
           <a:p>
             <a:fld id="{6D894473-5053-464A-A10A-2BCD4B48F14B}" type="datetimeFigureOut">
               <a:rPr lang="es-AR" smtClean="0"/>
-              <a:t>12/7/2022</a:t>
+              <a:t>14/7/2022</a:t>
             </a:fld>
             <a:endParaRPr lang="es-AR"/>
           </a:p>
@@ -667,7 +672,7 @@
           <a:p>
             <a:fld id="{6D894473-5053-464A-A10A-2BCD4B48F14B}" type="datetimeFigureOut">
               <a:rPr lang="es-AR" smtClean="0"/>
-              <a:t>12/7/2022</a:t>
+              <a:t>14/7/2022</a:t>
             </a:fld>
             <a:endParaRPr lang="es-AR"/>
           </a:p>
@@ -867,7 +872,7 @@
           <a:p>
             <a:fld id="{6D894473-5053-464A-A10A-2BCD4B48F14B}" type="datetimeFigureOut">
               <a:rPr lang="es-AR" smtClean="0"/>
-              <a:t>12/7/2022</a:t>
+              <a:t>14/7/2022</a:t>
             </a:fld>
             <a:endParaRPr lang="es-AR"/>
           </a:p>
@@ -1143,7 +1148,7 @@
           <a:p>
             <a:fld id="{6D894473-5053-464A-A10A-2BCD4B48F14B}" type="datetimeFigureOut">
               <a:rPr lang="es-AR" smtClean="0"/>
-              <a:t>12/7/2022</a:t>
+              <a:t>14/7/2022</a:t>
             </a:fld>
             <a:endParaRPr lang="es-AR"/>
           </a:p>
@@ -1411,7 +1416,7 @@
           <a:p>
             <a:fld id="{6D894473-5053-464A-A10A-2BCD4B48F14B}" type="datetimeFigureOut">
               <a:rPr lang="es-AR" smtClean="0"/>
-              <a:t>12/7/2022</a:t>
+              <a:t>14/7/2022</a:t>
             </a:fld>
             <a:endParaRPr lang="es-AR"/>
           </a:p>
@@ -1826,7 +1831,7 @@
           <a:p>
             <a:fld id="{6D894473-5053-464A-A10A-2BCD4B48F14B}" type="datetimeFigureOut">
               <a:rPr lang="es-AR" smtClean="0"/>
-              <a:t>12/7/2022</a:t>
+              <a:t>14/7/2022</a:t>
             </a:fld>
             <a:endParaRPr lang="es-AR"/>
           </a:p>
@@ -1968,7 +1973,7 @@
           <a:p>
             <a:fld id="{6D894473-5053-464A-A10A-2BCD4B48F14B}" type="datetimeFigureOut">
               <a:rPr lang="es-AR" smtClean="0"/>
-              <a:t>12/7/2022</a:t>
+              <a:t>14/7/2022</a:t>
             </a:fld>
             <a:endParaRPr lang="es-AR"/>
           </a:p>
@@ -2081,7 +2086,7 @@
           <a:p>
             <a:fld id="{6D894473-5053-464A-A10A-2BCD4B48F14B}" type="datetimeFigureOut">
               <a:rPr lang="es-AR" smtClean="0"/>
-              <a:t>12/7/2022</a:t>
+              <a:t>14/7/2022</a:t>
             </a:fld>
             <a:endParaRPr lang="es-AR"/>
           </a:p>
@@ -2394,7 +2399,7 @@
           <a:p>
             <a:fld id="{6D894473-5053-464A-A10A-2BCD4B48F14B}" type="datetimeFigureOut">
               <a:rPr lang="es-AR" smtClean="0"/>
-              <a:t>12/7/2022</a:t>
+              <a:t>14/7/2022</a:t>
             </a:fld>
             <a:endParaRPr lang="es-AR"/>
           </a:p>
@@ -2683,7 +2688,7 @@
           <a:p>
             <a:fld id="{6D894473-5053-464A-A10A-2BCD4B48F14B}" type="datetimeFigureOut">
               <a:rPr lang="es-AR" smtClean="0"/>
-              <a:t>12/7/2022</a:t>
+              <a:t>14/7/2022</a:t>
             </a:fld>
             <a:endParaRPr lang="es-AR"/>
           </a:p>
@@ -2926,7 +2931,7 @@
           <a:p>
             <a:fld id="{6D894473-5053-464A-A10A-2BCD4B48F14B}" type="datetimeFigureOut">
               <a:rPr lang="es-AR" smtClean="0"/>
-              <a:t>12/7/2022</a:t>
+              <a:t>14/7/2022</a:t>
             </a:fld>
             <a:endParaRPr lang="es-AR"/>
           </a:p>
@@ -3439,8 +3444,8 @@
         </p:nvSpPr>
         <p:spPr>
           <a:xfrm>
-            <a:off x="3693609" y="4236872"/>
-            <a:ext cx="2481932" cy="1569660"/>
+            <a:off x="3547262" y="3809515"/>
+            <a:ext cx="2481932" cy="2308324"/>
           </a:xfrm>
           <a:prstGeom prst="rect">
             <a:avLst/>
@@ -3459,8 +3464,21 @@
             </a:pPr>
             <a:r>
               <a:rPr lang="es-AR" sz="1200" dirty="0"/>
-              <a:t>Id de producto (auto)</a:t>
-            </a:r>
+              <a:t>Id de producto o SKU - Stock </a:t>
+            </a:r>
+            <a:r>
+              <a:rPr lang="es-AR" sz="1200" dirty="0" err="1"/>
+              <a:t>Keeping</a:t>
+            </a:r>
+            <a:r>
+              <a:rPr lang="es-AR" sz="1200" dirty="0"/>
+              <a:t> </a:t>
+            </a:r>
+            <a:r>
+              <a:rPr lang="es-AR" sz="1200" dirty="0" err="1"/>
+              <a:t>Unit</a:t>
+            </a:r>
+            <a:endParaRPr lang="es-AR" sz="1200" dirty="0"/>
           </a:p>
           <a:p>
             <a:pPr marL="285750" indent="-285750">
@@ -3531,6 +3549,36 @@
             <a:r>
               <a:rPr lang="es-AR" sz="1200" dirty="0"/>
               <a:t>Fotos de productos</a:t>
+            </a:r>
+          </a:p>
+          <a:p>
+            <a:pPr marL="285750" indent="-285750">
+              <a:buFont typeface="Arial" panose="020B0604020202020204" pitchFamily="34" charset="0"/>
+              <a:buChar char="•"/>
+            </a:pPr>
+            <a:r>
+              <a:rPr lang="es-AR" sz="1200" dirty="0"/>
+              <a:t>Responsable de carga</a:t>
+            </a:r>
+          </a:p>
+          <a:p>
+            <a:pPr marL="285750" indent="-285750">
+              <a:buFont typeface="Arial" panose="020B0604020202020204" pitchFamily="34" charset="0"/>
+              <a:buChar char="•"/>
+            </a:pPr>
+            <a:r>
+              <a:rPr lang="es-AR" sz="1200" dirty="0"/>
+              <a:t>Fecha de creación de producto</a:t>
+            </a:r>
+          </a:p>
+          <a:p>
+            <a:pPr marL="285750" indent="-285750">
+              <a:buFont typeface="Arial" panose="020B0604020202020204" pitchFamily="34" charset="0"/>
+              <a:buChar char="•"/>
+            </a:pPr>
+            <a:r>
+              <a:rPr lang="es-AR" sz="1200" dirty="0"/>
+              <a:t>Fecha de actualización</a:t>
             </a:r>
           </a:p>
         </p:txBody>
@@ -3675,7 +3723,7 @@
         <p:spPr>
           <a:xfrm>
             <a:off x="8814268" y="1732629"/>
-            <a:ext cx="2360943" cy="4524315"/>
+            <a:ext cx="2360943" cy="5078313"/>
           </a:xfrm>
           <a:prstGeom prst="rect">
             <a:avLst/>
@@ -3761,6 +3809,20 @@
             <a:r>
               <a:rPr lang="es-AR" sz="1200" dirty="0"/>
               <a:t>Dar de alta, modificar y baja usuario Administrador y Clientes.</a:t>
+            </a:r>
+          </a:p>
+          <a:p>
+            <a:pPr marL="285750" indent="-285750">
+              <a:buFont typeface="Arial" panose="020B0604020202020204" pitchFamily="34" charset="0"/>
+              <a:buChar char="•"/>
+            </a:pPr>
+            <a:r>
+              <a:rPr lang="es-AR" sz="1200" dirty="0" err="1"/>
+              <a:t>Mensajeria</a:t>
+            </a:r>
+            <a:r>
+              <a:rPr lang="es-AR" sz="1200" dirty="0"/>
+              <a:t> con otros administradores y clientes.</a:t>
             </a:r>
           </a:p>
           <a:p>
@@ -3804,6 +3866,20 @@
             <a:r>
               <a:rPr lang="es-AR" sz="1200" dirty="0"/>
               <a:t>Dar de alta, modificar y baja usuario.</a:t>
+            </a:r>
+          </a:p>
+          <a:p>
+            <a:pPr marL="285750" indent="-285750">
+              <a:buFont typeface="Arial" panose="020B0604020202020204" pitchFamily="34" charset="0"/>
+              <a:buChar char="•"/>
+            </a:pPr>
+            <a:r>
+              <a:rPr lang="es-AR" sz="1200" dirty="0" err="1"/>
+              <a:t>Mensajeria</a:t>
+            </a:r>
+            <a:r>
+              <a:rPr lang="es-AR" sz="1200" dirty="0"/>
+              <a:t> con administrador</a:t>
             </a:r>
           </a:p>
         </p:txBody>
@@ -3943,7 +4019,7 @@
         </p:nvSpPr>
         <p:spPr>
           <a:xfrm>
-            <a:off x="4069922" y="3731183"/>
+            <a:off x="3984105" y="3440183"/>
             <a:ext cx="1129284" cy="369332"/>
           </a:xfrm>
           <a:prstGeom prst="rect">
@@ -4163,7 +4239,7 @@
         <p:spPr>
           <a:xfrm>
             <a:off x="3799760" y="1732603"/>
-            <a:ext cx="2360943" cy="1569660"/>
+            <a:ext cx="2360943" cy="1754326"/>
           </a:xfrm>
           <a:prstGeom prst="rect">
             <a:avLst/>
@@ -4202,7 +4278,17 @@
             </a:pPr>
             <a:r>
               <a:rPr lang="es-AR" sz="1200" dirty="0"/>
-              <a:t>Poder buscar/filtrar productos por nombre, descripción, marca y categoría</a:t>
+              <a:t>Poder buscar productos por nombre y descripción.</a:t>
+            </a:r>
+          </a:p>
+          <a:p>
+            <a:pPr marL="171450" indent="-171450">
+              <a:buFont typeface="Arial" panose="020B0604020202020204" pitchFamily="34" charset="0"/>
+              <a:buChar char="•"/>
+            </a:pPr>
+            <a:r>
+              <a:rPr lang="es-AR" sz="1200" dirty="0"/>
+              <a:t>Filtrar productos por marca o categoría.</a:t>
             </a:r>
           </a:p>
           <a:p>
@@ -4397,7 +4483,7 @@
         </p:blipFill>
         <p:spPr>
           <a:xfrm>
-            <a:off x="1658046" y="1316819"/>
+            <a:off x="2416155" y="1316819"/>
             <a:ext cx="914400" cy="914400"/>
           </a:xfrm>
           <a:prstGeom prst="rect">
@@ -4455,7 +4541,7 @@
         </p:nvSpPr>
         <p:spPr>
           <a:xfrm>
-            <a:off x="1658046" y="899268"/>
+            <a:off x="2416155" y="899268"/>
             <a:ext cx="821956" cy="276999"/>
           </a:xfrm>
           <a:prstGeom prst="rect">
@@ -4695,7 +4781,7 @@
         </p:blipFill>
         <p:spPr>
           <a:xfrm>
-            <a:off x="9561072" y="3259601"/>
+            <a:off x="8157785" y="3290999"/>
             <a:ext cx="914400" cy="914400"/>
           </a:xfrm>
           <a:prstGeom prst="rect">
@@ -4717,8 +4803,8 @@
         </p:nvSpPr>
         <p:spPr>
           <a:xfrm>
-            <a:off x="10383253" y="3480224"/>
-            <a:ext cx="1338893" cy="276999"/>
+            <a:off x="8934286" y="3558702"/>
+            <a:ext cx="1448967" cy="461665"/>
           </a:xfrm>
           <a:prstGeom prst="rect">
             <a:avLst/>
@@ -4726,14 +4812,14 @@
           <a:noFill/>
         </p:spPr>
         <p:txBody>
-          <a:bodyPr wrap="none" rtlCol="0">
+          <a:bodyPr wrap="square" rtlCol="0">
             <a:spAutoFit/>
           </a:bodyPr>
           <a:lstStyle/>
           <a:p>
             <a:r>
               <a:rPr lang="es-AR" sz="1200" dirty="0"/>
-              <a:t>Historial de ventas</a:t>
+              <a:t>Historial de ventas/compras</a:t>
             </a:r>
           </a:p>
         </p:txBody>
@@ -4826,8 +4912,8 @@
         </p:nvSpPr>
         <p:spPr>
           <a:xfrm>
-            <a:off x="469854" y="2675703"/>
-            <a:ext cx="3099540" cy="1384995"/>
+            <a:off x="277640" y="2567418"/>
+            <a:ext cx="1936171" cy="1569660"/>
           </a:xfrm>
           <a:prstGeom prst="rect">
             <a:avLst/>
@@ -4925,7 +5011,7 @@
         <p:spPr>
           <a:xfrm>
             <a:off x="5474766" y="2529958"/>
-            <a:ext cx="2405918" cy="1938992"/>
+            <a:ext cx="2405918" cy="2492990"/>
           </a:xfrm>
           <a:prstGeom prst="rect">
             <a:avLst/>
@@ -4940,7 +5026,25 @@
           <a:p>
             <a:r>
               <a:rPr lang="es-AR" sz="1200" dirty="0"/>
-              <a:t>Para crear, buscar, modificar y eliminar usuarios.</a:t>
+              <a:t>Para Usuarios: </a:t>
+            </a:r>
+          </a:p>
+          <a:p>
+            <a:r>
+              <a:rPr lang="es-AR" sz="1200" dirty="0"/>
+              <a:t>       -crear, </a:t>
+            </a:r>
+          </a:p>
+          <a:p>
+            <a:r>
+              <a:rPr lang="es-AR" sz="1200" dirty="0"/>
+              <a:t>       -buscar, </a:t>
+            </a:r>
+          </a:p>
+          <a:p>
+            <a:r>
+              <a:rPr lang="es-AR" sz="1200" dirty="0"/>
+              <a:t>       -modificar y eliminar.</a:t>
             </a:r>
           </a:p>
           <a:p>
@@ -4949,8 +5053,25 @@
           <a:p>
             <a:r>
               <a:rPr lang="es-AR" sz="1200" dirty="0"/>
-              <a:t>Área de Alta, modificación y baja de productos.</a:t>
-            </a:r>
+              <a:t>Área de Producto: </a:t>
+            </a:r>
+          </a:p>
+          <a:p>
+            <a:r>
+              <a:rPr lang="es-AR" sz="1200" dirty="0"/>
+              <a:t>        -Alta, </a:t>
+            </a:r>
+          </a:p>
+          <a:p>
+            <a:r>
+              <a:rPr lang="es-AR" sz="1200" dirty="0"/>
+              <a:t>        -modificación </a:t>
+            </a:r>
+            <a:r>
+              <a:rPr lang="es-AR" sz="1200"/>
+              <a:t>y baja.</a:t>
+            </a:r>
+            <a:endParaRPr lang="es-AR" sz="1200" dirty="0"/>
           </a:p>
           <a:p>
             <a:endParaRPr lang="es-AR" sz="1200" dirty="0"/>
@@ -5003,7 +5124,7 @@
         </p:blipFill>
         <p:spPr>
           <a:xfrm>
-            <a:off x="9637283" y="5413566"/>
+            <a:off x="10263686" y="3152500"/>
             <a:ext cx="914400" cy="914400"/>
           </a:xfrm>
           <a:prstGeom prst="rect">
@@ -5025,8 +5146,8 @@
         </p:nvSpPr>
         <p:spPr>
           <a:xfrm>
-            <a:off x="10475472" y="5732266"/>
-            <a:ext cx="736164" cy="276999"/>
+            <a:off x="11101876" y="3471200"/>
+            <a:ext cx="914400" cy="461665"/>
           </a:xfrm>
           <a:prstGeom prst="rect">
             <a:avLst/>
@@ -5034,15 +5155,65 @@
           <a:noFill/>
         </p:spPr>
         <p:txBody>
-          <a:bodyPr wrap="none" rtlCol="0">
+          <a:bodyPr wrap="square" rtlCol="0">
             <a:spAutoFit/>
           </a:bodyPr>
           <a:lstStyle/>
           <a:p>
             <a:r>
               <a:rPr lang="es-AR" sz="1200" dirty="0"/>
-              <a:t>Compras</a:t>
-            </a:r>
+              <a:t>Ventas/compras</a:t>
+            </a:r>
+          </a:p>
+        </p:txBody>
+      </p:sp>
+      <p:sp>
+        <p:nvSpPr>
+          <p:cNvPr id="2" name="CuadroTexto 1">
+            <a:extLst>
+              <a:ext uri="{FF2B5EF4-FFF2-40B4-BE49-F238E27FC236}">
+                <a16:creationId xmlns:a16="http://schemas.microsoft.com/office/drawing/2014/main" id="{9FAA72F0-3AD1-3F8E-B5BE-CCAA9D6B8EB3}"/>
+              </a:ext>
+            </a:extLst>
+          </p:cNvPr>
+          <p:cNvSpPr txBox="1"/>
+          <p:nvPr/>
+        </p:nvSpPr>
+        <p:spPr>
+          <a:xfrm>
+            <a:off x="3970421" y="2827421"/>
+            <a:ext cx="1227244" cy="1200329"/>
+          </a:xfrm>
+          <a:prstGeom prst="rect">
+            <a:avLst/>
+          </a:prstGeom>
+          <a:noFill/>
+        </p:spPr>
+        <p:txBody>
+          <a:bodyPr wrap="square" rtlCol="0">
+            <a:spAutoFit/>
+          </a:bodyPr>
+          <a:lstStyle/>
+          <a:p>
+            <a:r>
+              <a:rPr lang="es-AR" sz="1200" dirty="0"/>
+              <a:t>Ver productos</a:t>
+            </a:r>
+          </a:p>
+          <a:p>
+            <a:endParaRPr lang="es-AR" sz="1200" dirty="0"/>
+          </a:p>
+          <a:p>
+            <a:r>
+              <a:rPr lang="es-AR" sz="1200" dirty="0"/>
+              <a:t>Desplegar resultados</a:t>
+            </a:r>
+          </a:p>
+          <a:p>
+            <a:endParaRPr lang="es-AR" sz="1200" dirty="0"/>
+          </a:p>
+          <a:p>
+            <a:endParaRPr lang="es-AR" sz="1200" dirty="0"/>
           </a:p>
         </p:txBody>
       </p:sp>
